--- a/ACNAPI Code Challenge.pptx
+++ b/ACNAPI Code Challenge.pptx
@@ -109,6 +109,11 @@
       </a:defRPr>
     </a:lvl9pPr>
   </p:defaultTextStyle>
+  <p:extLst>
+    <p:ext uri="{EFAFB233-063F-42B5-8137-9DF3F51BA10A}">
+      <p15:sldGuideLst xmlns:p15="http://schemas.microsoft.com/office/powerpoint/2012/main"/>
+    </p:ext>
+  </p:extLst>
 </p:presentation>
 </file>
 
@@ -261,7 +266,7 @@
           <a:p>
             <a:fld id="{A99EBDD6-F362-40D3-B91B-65274F0AB1F3}" type="datetimeFigureOut">
               <a:rPr lang="en-MY" smtClean="0"/>
-              <a:t>17/8/2018</a:t>
+              <a:t>18/8/2018</a:t>
             </a:fld>
             <a:endParaRPr lang="en-MY"/>
           </a:p>
@@ -461,7 +466,7 @@
           <a:p>
             <a:fld id="{A99EBDD6-F362-40D3-B91B-65274F0AB1F3}" type="datetimeFigureOut">
               <a:rPr lang="en-MY" smtClean="0"/>
-              <a:t>17/8/2018</a:t>
+              <a:t>18/8/2018</a:t>
             </a:fld>
             <a:endParaRPr lang="en-MY"/>
           </a:p>
@@ -671,7 +676,7 @@
           <a:p>
             <a:fld id="{A99EBDD6-F362-40D3-B91B-65274F0AB1F3}" type="datetimeFigureOut">
               <a:rPr lang="en-MY" smtClean="0"/>
-              <a:t>17/8/2018</a:t>
+              <a:t>18/8/2018</a:t>
             </a:fld>
             <a:endParaRPr lang="en-MY"/>
           </a:p>
@@ -871,7 +876,7 @@
           <a:p>
             <a:fld id="{A99EBDD6-F362-40D3-B91B-65274F0AB1F3}" type="datetimeFigureOut">
               <a:rPr lang="en-MY" smtClean="0"/>
-              <a:t>17/8/2018</a:t>
+              <a:t>18/8/2018</a:t>
             </a:fld>
             <a:endParaRPr lang="en-MY"/>
           </a:p>
@@ -1147,7 +1152,7 @@
           <a:p>
             <a:fld id="{A99EBDD6-F362-40D3-B91B-65274F0AB1F3}" type="datetimeFigureOut">
               <a:rPr lang="en-MY" smtClean="0"/>
-              <a:t>17/8/2018</a:t>
+              <a:t>18/8/2018</a:t>
             </a:fld>
             <a:endParaRPr lang="en-MY"/>
           </a:p>
@@ -1415,7 +1420,7 @@
           <a:p>
             <a:fld id="{A99EBDD6-F362-40D3-B91B-65274F0AB1F3}" type="datetimeFigureOut">
               <a:rPr lang="en-MY" smtClean="0"/>
-              <a:t>17/8/2018</a:t>
+              <a:t>18/8/2018</a:t>
             </a:fld>
             <a:endParaRPr lang="en-MY"/>
           </a:p>
@@ -1830,7 +1835,7 @@
           <a:p>
             <a:fld id="{A99EBDD6-F362-40D3-B91B-65274F0AB1F3}" type="datetimeFigureOut">
               <a:rPr lang="en-MY" smtClean="0"/>
-              <a:t>17/8/2018</a:t>
+              <a:t>18/8/2018</a:t>
             </a:fld>
             <a:endParaRPr lang="en-MY"/>
           </a:p>
@@ -1972,7 +1977,7 @@
           <a:p>
             <a:fld id="{A99EBDD6-F362-40D3-B91B-65274F0AB1F3}" type="datetimeFigureOut">
               <a:rPr lang="en-MY" smtClean="0"/>
-              <a:t>17/8/2018</a:t>
+              <a:t>18/8/2018</a:t>
             </a:fld>
             <a:endParaRPr lang="en-MY"/>
           </a:p>
@@ -2085,7 +2090,7 @@
           <a:p>
             <a:fld id="{A99EBDD6-F362-40D3-B91B-65274F0AB1F3}" type="datetimeFigureOut">
               <a:rPr lang="en-MY" smtClean="0"/>
-              <a:t>17/8/2018</a:t>
+              <a:t>18/8/2018</a:t>
             </a:fld>
             <a:endParaRPr lang="en-MY"/>
           </a:p>
@@ -2398,7 +2403,7 @@
           <a:p>
             <a:fld id="{A99EBDD6-F362-40D3-B91B-65274F0AB1F3}" type="datetimeFigureOut">
               <a:rPr lang="en-MY" smtClean="0"/>
-              <a:t>17/8/2018</a:t>
+              <a:t>18/8/2018</a:t>
             </a:fld>
             <a:endParaRPr lang="en-MY"/>
           </a:p>
@@ -2687,7 +2692,7 @@
           <a:p>
             <a:fld id="{A99EBDD6-F362-40D3-B91B-65274F0AB1F3}" type="datetimeFigureOut">
               <a:rPr lang="en-MY" smtClean="0"/>
-              <a:t>17/8/2018</a:t>
+              <a:t>18/8/2018</a:t>
             </a:fld>
             <a:endParaRPr lang="en-MY"/>
           </a:p>
@@ -2930,7 +2935,7 @@
           <a:p>
             <a:fld id="{A99EBDD6-F362-40D3-B91B-65274F0AB1F3}" type="datetimeFigureOut">
               <a:rPr lang="en-MY" smtClean="0"/>
-              <a:t>17/8/2018</a:t>
+              <a:t>18/8/2018</a:t>
             </a:fld>
             <a:endParaRPr lang="en-MY"/>
           </a:p>
@@ -3476,14 +3481,16 @@
         </p:nvSpPr>
         <p:spPr/>
         <p:txBody>
-          <a:bodyPr/>
+          <a:bodyPr>
+            <a:normAutofit/>
+          </a:bodyPr>
           <a:lstStyle/>
           <a:p>
             <a:pPr marL="0" indent="0">
               <a:buNone/>
             </a:pPr>
             <a:r>
-              <a:rPr lang="en-MY" dirty="0"/>
+              <a:rPr lang="en-MY" sz="2400" dirty="0"/>
               <a:t>Retail spaces are facing a reduction in visits due to the advent of online shopping and E-commerce. This has not only caused large problems for retail space landlords, but also problems to the profitability of shop owners renting these spaces. This problem hence ranges from small scale shops to large business owners alike.</a:t>
             </a:r>
           </a:p>
@@ -3565,23 +3572,17 @@
         </p:nvSpPr>
         <p:spPr/>
         <p:txBody>
-          <a:bodyPr/>
+          <a:bodyPr>
+            <a:normAutofit/>
+          </a:bodyPr>
           <a:lstStyle/>
           <a:p>
             <a:pPr marL="0" indent="0">
               <a:buNone/>
             </a:pPr>
             <a:r>
-              <a:rPr lang="en-MY" dirty="0"/>
-              <a:t>You are leading a </a:t>
-            </a:r>
-            <a:r>
-              <a:rPr lang="en-MY" dirty="0" err="1"/>
-              <a:t>startup</a:t>
-            </a:r>
-            <a:r>
-              <a:rPr lang="en-MY" dirty="0"/>
-              <a:t>. Propose and design a potential elegant solution to help the property owners as well as the shop owners to compete in this digital landscape.</a:t>
+              <a:rPr lang="en-MY" sz="2400" dirty="0"/>
+              <a:t>You are leading a start-up. Propose and design a potential elegant solution to help the property owners as well as the shop owners to compete in this digital landscape.</a:t>
             </a:r>
           </a:p>
         </p:txBody>
@@ -3662,14 +3663,16 @@
         </p:nvSpPr>
         <p:spPr/>
         <p:txBody>
-          <a:bodyPr/>
+          <a:bodyPr>
+            <a:normAutofit/>
+          </a:bodyPr>
           <a:lstStyle/>
           <a:p>
             <a:pPr marL="0" indent="0">
               <a:buNone/>
             </a:pPr>
             <a:r>
-              <a:rPr lang="en-MY" dirty="0"/>
+              <a:rPr lang="en-MY" sz="2400" dirty="0"/>
               <a:t>Design a business use case to showcase your differentiators and build a functional prototype (both front-end and back-end) to demonstrate how your start-up solves the problem statement.</a:t>
             </a:r>
           </a:p>
@@ -3752,68 +3755,68 @@
         <p:spPr/>
         <p:txBody>
           <a:bodyPr>
-            <a:normAutofit fontScale="92500"/>
+            <a:normAutofit/>
           </a:bodyPr>
           <a:lstStyle/>
           <a:p>
             <a:r>
-              <a:rPr lang="en-MY" dirty="0"/>
+              <a:rPr lang="en-MY" sz="2400" dirty="0"/>
               <a:t>A complete business plan slide based on the idea in a PPT format</a:t>
             </a:r>
           </a:p>
           <a:p>
             <a:r>
-              <a:rPr lang="en-MY" dirty="0"/>
+              <a:rPr lang="en-MY" sz="2400" dirty="0"/>
               <a:t>Simple architecture diagram</a:t>
             </a:r>
           </a:p>
           <a:p>
             <a:r>
-              <a:rPr lang="en-MY" dirty="0"/>
+              <a:rPr lang="en-MY" sz="2400" dirty="0"/>
               <a:t>Implement Social Login(i.e. Facebook) or a way to identify unique users</a:t>
             </a:r>
           </a:p>
           <a:p>
             <a:r>
-              <a:rPr lang="en-MY" dirty="0"/>
+              <a:rPr lang="en-MY" sz="2400" dirty="0"/>
               <a:t>Use cloud (AWS/GCP/Azure or </a:t>
             </a:r>
             <a:r>
-              <a:rPr lang="en-MY" dirty="0" err="1"/>
+              <a:rPr lang="en-MY" sz="2400" dirty="0" err="1"/>
               <a:t>or</a:t>
             </a:r>
             <a:r>
-              <a:rPr lang="en-MY" dirty="0"/>
+              <a:rPr lang="en-MY" sz="2400" dirty="0"/>
               <a:t> any other platform) to deploy the prototype if possible. Else, provide the setup instructions to run the app in localhost</a:t>
             </a:r>
           </a:p>
           <a:p>
             <a:r>
-              <a:rPr lang="en-MY" dirty="0"/>
+              <a:rPr lang="en-MY" sz="2400" dirty="0"/>
               <a:t>Consider using building blocks you can find from other APIs – </a:t>
             </a:r>
             <a:r>
-              <a:rPr lang="en-MY" dirty="0">
+              <a:rPr lang="en-MY" sz="2400" dirty="0">
                 <a:hlinkClick r:id="rId2"/>
               </a:rPr>
               <a:t>http://www.programmableweb.com/</a:t>
             </a:r>
             <a:r>
-              <a:rPr lang="en-MY" dirty="0"/>
+              <a:rPr lang="en-MY" sz="2400" dirty="0"/>
               <a:t> , Google Map API, etc</a:t>
             </a:r>
           </a:p>
           <a:p>
             <a:r>
-              <a:rPr lang="en-MY" dirty="0"/>
+              <a:rPr lang="en-MY" sz="2400" dirty="0"/>
               <a:t>Submission of your Git Repo with all </a:t>
             </a:r>
             <a:r>
-              <a:rPr lang="en-MY" dirty="0" err="1"/>
+              <a:rPr lang="en-MY" sz="2400" dirty="0" err="1"/>
               <a:t>coe</a:t>
             </a:r>
             <a:r>
-              <a:rPr lang="en-MY" dirty="0"/>
+              <a:rPr lang="en-MY" sz="2400" dirty="0"/>
               <a:t>/files necessary and a readme to tell users how to run the prototype</a:t>
             </a:r>
           </a:p>
@@ -3902,15 +3905,7 @@
           <a:p>
             <a:r>
               <a:rPr lang="en-MY" sz="2400" dirty="0"/>
-              <a:t>Accenture also encourages </a:t>
-            </a:r>
-            <a:r>
-              <a:rPr lang="en-MY" sz="2400"/>
-              <a:t>to go </a:t>
-            </a:r>
-            <a:r>
-              <a:rPr lang="en-MY" sz="2400" dirty="0"/>
-              <a:t>beyond the requirement scope and think of innovative ways to enhance the solution as you’ll be asked to present and impress us with the demo app. </a:t>
+              <a:t>Accenture also encourages to go beyond the requirement scope and think of innovative ways to enhance the solution as you’ll be asked to present and impress us with the demo app. </a:t>
             </a:r>
           </a:p>
           <a:p>
